--- a/docs/河洛話-聲調圖.pptx
+++ b/docs/河洛話-聲調圖.pptx
@@ -11,7 +11,6 @@
     <p:sldId id="256" r:id="rId5"/>
     <p:sldId id="262" r:id="rId6"/>
     <p:sldId id="261" r:id="rId7"/>
-    <p:sldId id="257" r:id="rId8"/>
   </p:sldIdLst>
   <p:sldSz cx="12192000" cy="6858000"/>
   <p:notesSz cx="6858000" cy="9144000"/>
@@ -276,7 +275,7 @@
           <a:p>
             <a:fld id="{64A076C2-5F6F-472B-BFF8-3C0541CCB8F3}" type="datetimeFigureOut">
               <a:rPr lang="zh-TW" altLang="en-US" smtClean="0"/>
-              <a:t>2024/12/1</a:t>
+              <a:t>2024/12/2</a:t>
             </a:fld>
             <a:endParaRPr lang="zh-TW" altLang="en-US"/>
           </a:p>
@@ -474,7 +473,7 @@
           <a:p>
             <a:fld id="{64A076C2-5F6F-472B-BFF8-3C0541CCB8F3}" type="datetimeFigureOut">
               <a:rPr lang="zh-TW" altLang="en-US" smtClean="0"/>
-              <a:t>2024/12/1</a:t>
+              <a:t>2024/12/2</a:t>
             </a:fld>
             <a:endParaRPr lang="zh-TW" altLang="en-US"/>
           </a:p>
@@ -682,7 +681,7 @@
           <a:p>
             <a:fld id="{64A076C2-5F6F-472B-BFF8-3C0541CCB8F3}" type="datetimeFigureOut">
               <a:rPr lang="zh-TW" altLang="en-US" smtClean="0"/>
-              <a:t>2024/12/1</a:t>
+              <a:t>2024/12/2</a:t>
             </a:fld>
             <a:endParaRPr lang="zh-TW" altLang="en-US"/>
           </a:p>
@@ -880,7 +879,7 @@
           <a:p>
             <a:fld id="{64A076C2-5F6F-472B-BFF8-3C0541CCB8F3}" type="datetimeFigureOut">
               <a:rPr lang="zh-TW" altLang="en-US" smtClean="0"/>
-              <a:t>2024/12/1</a:t>
+              <a:t>2024/12/2</a:t>
             </a:fld>
             <a:endParaRPr lang="zh-TW" altLang="en-US"/>
           </a:p>
@@ -1155,7 +1154,7 @@
           <a:p>
             <a:fld id="{64A076C2-5F6F-472B-BFF8-3C0541CCB8F3}" type="datetimeFigureOut">
               <a:rPr lang="zh-TW" altLang="en-US" smtClean="0"/>
-              <a:t>2024/12/1</a:t>
+              <a:t>2024/12/2</a:t>
             </a:fld>
             <a:endParaRPr lang="zh-TW" altLang="en-US"/>
           </a:p>
@@ -1420,7 +1419,7 @@
           <a:p>
             <a:fld id="{64A076C2-5F6F-472B-BFF8-3C0541CCB8F3}" type="datetimeFigureOut">
               <a:rPr lang="zh-TW" altLang="en-US" smtClean="0"/>
-              <a:t>2024/12/1</a:t>
+              <a:t>2024/12/2</a:t>
             </a:fld>
             <a:endParaRPr lang="zh-TW" altLang="en-US"/>
           </a:p>
@@ -1832,7 +1831,7 @@
           <a:p>
             <a:fld id="{64A076C2-5F6F-472B-BFF8-3C0541CCB8F3}" type="datetimeFigureOut">
               <a:rPr lang="zh-TW" altLang="en-US" smtClean="0"/>
-              <a:t>2024/12/1</a:t>
+              <a:t>2024/12/2</a:t>
             </a:fld>
             <a:endParaRPr lang="zh-TW" altLang="en-US"/>
           </a:p>
@@ -1973,7 +1972,7 @@
           <a:p>
             <a:fld id="{64A076C2-5F6F-472B-BFF8-3C0541CCB8F3}" type="datetimeFigureOut">
               <a:rPr lang="zh-TW" altLang="en-US" smtClean="0"/>
-              <a:t>2024/12/1</a:t>
+              <a:t>2024/12/2</a:t>
             </a:fld>
             <a:endParaRPr lang="zh-TW" altLang="en-US"/>
           </a:p>
@@ -2086,7 +2085,7 @@
           <a:p>
             <a:fld id="{64A076C2-5F6F-472B-BFF8-3C0541CCB8F3}" type="datetimeFigureOut">
               <a:rPr lang="zh-TW" altLang="en-US" smtClean="0"/>
-              <a:t>2024/12/1</a:t>
+              <a:t>2024/12/2</a:t>
             </a:fld>
             <a:endParaRPr lang="zh-TW" altLang="en-US"/>
           </a:p>
@@ -2397,7 +2396,7 @@
           <a:p>
             <a:fld id="{64A076C2-5F6F-472B-BFF8-3C0541CCB8F3}" type="datetimeFigureOut">
               <a:rPr lang="zh-TW" altLang="en-US" smtClean="0"/>
-              <a:t>2024/12/1</a:t>
+              <a:t>2024/12/2</a:t>
             </a:fld>
             <a:endParaRPr lang="zh-TW" altLang="en-US"/>
           </a:p>
@@ -2685,7 +2684,7 @@
           <a:p>
             <a:fld id="{64A076C2-5F6F-472B-BFF8-3C0541CCB8F3}" type="datetimeFigureOut">
               <a:rPr lang="zh-TW" altLang="en-US" smtClean="0"/>
-              <a:t>2024/12/1</a:t>
+              <a:t>2024/12/2</a:t>
             </a:fld>
             <a:endParaRPr lang="zh-TW" altLang="en-US"/>
           </a:p>
@@ -2926,7 +2925,7 @@
           <a:p>
             <a:fld id="{64A076C2-5F6F-472B-BFF8-3C0541CCB8F3}" type="datetimeFigureOut">
               <a:rPr lang="zh-TW" altLang="en-US" smtClean="0"/>
-              <a:t>2024/12/1</a:t>
+              <a:t>2024/12/2</a:t>
             </a:fld>
             <a:endParaRPr lang="zh-TW" altLang="en-US"/>
           </a:p>
@@ -32615,66 +32614,6 @@
 </p:sld>
 </file>
 
-<file path=ppt/slides/slide7.xml><?xml version="1.0" encoding="utf-8"?>
-<p:sld xmlns:a="http://schemas.openxmlformats.org/drawingml/2006/main" xmlns:r="http://schemas.openxmlformats.org/officeDocument/2006/relationships" xmlns:p="http://schemas.openxmlformats.org/presentationml/2006/main">
-  <p:cSld>
-    <p:spTree>
-      <p:nvGrpSpPr>
-        <p:cNvPr id="1" name=""/>
-        <p:cNvGrpSpPr/>
-        <p:nvPr/>
-      </p:nvGrpSpPr>
-      <p:grpSpPr>
-        <a:xfrm>
-          <a:off x="0" y="0"/>
-          <a:ext cx="0" cy="0"/>
-          <a:chOff x="0" y="0"/>
-          <a:chExt cx="0" cy="0"/>
-        </a:xfrm>
-      </p:grpSpPr>
-      <p:pic>
-        <p:nvPicPr>
-          <p:cNvPr id="5" name="圖片 4">
-            <a:extLst>
-              <a:ext uri="{FF2B5EF4-FFF2-40B4-BE49-F238E27FC236}">
-                <a16:creationId xmlns:a16="http://schemas.microsoft.com/office/drawing/2014/main" id="{E393EB2B-FDAF-5F38-4D3D-98EA4526D265}"/>
-              </a:ext>
-            </a:extLst>
-          </p:cNvPr>
-          <p:cNvPicPr>
-            <a:picLocks noChangeAspect="1"/>
-          </p:cNvPicPr>
-          <p:nvPr/>
-        </p:nvPicPr>
-        <p:blipFill>
-          <a:blip r:embed="rId2"/>
-          <a:stretch>
-            <a:fillRect/>
-          </a:stretch>
-        </p:blipFill>
-        <p:spPr>
-          <a:xfrm>
-            <a:off x="0" y="1578664"/>
-            <a:ext cx="12192000" cy="3700672"/>
-          </a:xfrm>
-          <a:prstGeom prst="rect">
-            <a:avLst/>
-          </a:prstGeom>
-        </p:spPr>
-      </p:pic>
-    </p:spTree>
-    <p:extLst>
-      <p:ext uri="{BB962C8B-B14F-4D97-AF65-F5344CB8AC3E}">
-        <p14:creationId xmlns:p14="http://schemas.microsoft.com/office/powerpoint/2010/main" val="2387221090"/>
-      </p:ext>
-    </p:extLst>
-  </p:cSld>
-  <p:clrMapOvr>
-    <a:masterClrMapping/>
-  </p:clrMapOvr>
-</p:sld>
-</file>
-
 <file path=ppt/theme/theme1.xml><?xml version="1.0" encoding="utf-8"?>
 <a:theme xmlns:a="http://schemas.openxmlformats.org/drawingml/2006/main" name="Office 佈景主題">
   <a:themeElements>

--- a/docs/河洛話-聲調圖.pptx
+++ b/docs/河洛話-聲調圖.pptx
@@ -9,8 +9,9 @@
     <p:sldId id="258" r:id="rId3"/>
     <p:sldId id="260" r:id="rId4"/>
     <p:sldId id="256" r:id="rId5"/>
-    <p:sldId id="262" r:id="rId6"/>
-    <p:sldId id="261" r:id="rId7"/>
+    <p:sldId id="264" r:id="rId6"/>
+    <p:sldId id="262" r:id="rId7"/>
+    <p:sldId id="261" r:id="rId8"/>
   </p:sldIdLst>
   <p:sldSz cx="12192000" cy="6858000"/>
   <p:notesSz cx="6858000" cy="9144000"/>
@@ -275,7 +276,7 @@
           <a:p>
             <a:fld id="{64A076C2-5F6F-472B-BFF8-3C0541CCB8F3}" type="datetimeFigureOut">
               <a:rPr lang="zh-TW" altLang="en-US" smtClean="0"/>
-              <a:t>2024/12/2</a:t>
+              <a:t>2025/2/10</a:t>
             </a:fld>
             <a:endParaRPr lang="zh-TW" altLang="en-US"/>
           </a:p>
@@ -473,7 +474,7 @@
           <a:p>
             <a:fld id="{64A076C2-5F6F-472B-BFF8-3C0541CCB8F3}" type="datetimeFigureOut">
               <a:rPr lang="zh-TW" altLang="en-US" smtClean="0"/>
-              <a:t>2024/12/2</a:t>
+              <a:t>2025/2/10</a:t>
             </a:fld>
             <a:endParaRPr lang="zh-TW" altLang="en-US"/>
           </a:p>
@@ -681,7 +682,7 @@
           <a:p>
             <a:fld id="{64A076C2-5F6F-472B-BFF8-3C0541CCB8F3}" type="datetimeFigureOut">
               <a:rPr lang="zh-TW" altLang="en-US" smtClean="0"/>
-              <a:t>2024/12/2</a:t>
+              <a:t>2025/2/10</a:t>
             </a:fld>
             <a:endParaRPr lang="zh-TW" altLang="en-US"/>
           </a:p>
@@ -879,7 +880,7 @@
           <a:p>
             <a:fld id="{64A076C2-5F6F-472B-BFF8-3C0541CCB8F3}" type="datetimeFigureOut">
               <a:rPr lang="zh-TW" altLang="en-US" smtClean="0"/>
-              <a:t>2024/12/2</a:t>
+              <a:t>2025/2/10</a:t>
             </a:fld>
             <a:endParaRPr lang="zh-TW" altLang="en-US"/>
           </a:p>
@@ -1154,7 +1155,7 @@
           <a:p>
             <a:fld id="{64A076C2-5F6F-472B-BFF8-3C0541CCB8F3}" type="datetimeFigureOut">
               <a:rPr lang="zh-TW" altLang="en-US" smtClean="0"/>
-              <a:t>2024/12/2</a:t>
+              <a:t>2025/2/10</a:t>
             </a:fld>
             <a:endParaRPr lang="zh-TW" altLang="en-US"/>
           </a:p>
@@ -1419,7 +1420,7 @@
           <a:p>
             <a:fld id="{64A076C2-5F6F-472B-BFF8-3C0541CCB8F3}" type="datetimeFigureOut">
               <a:rPr lang="zh-TW" altLang="en-US" smtClean="0"/>
-              <a:t>2024/12/2</a:t>
+              <a:t>2025/2/10</a:t>
             </a:fld>
             <a:endParaRPr lang="zh-TW" altLang="en-US"/>
           </a:p>
@@ -1831,7 +1832,7 @@
           <a:p>
             <a:fld id="{64A076C2-5F6F-472B-BFF8-3C0541CCB8F3}" type="datetimeFigureOut">
               <a:rPr lang="zh-TW" altLang="en-US" smtClean="0"/>
-              <a:t>2024/12/2</a:t>
+              <a:t>2025/2/10</a:t>
             </a:fld>
             <a:endParaRPr lang="zh-TW" altLang="en-US"/>
           </a:p>
@@ -1972,7 +1973,7 @@
           <a:p>
             <a:fld id="{64A076C2-5F6F-472B-BFF8-3C0541CCB8F3}" type="datetimeFigureOut">
               <a:rPr lang="zh-TW" altLang="en-US" smtClean="0"/>
-              <a:t>2024/12/2</a:t>
+              <a:t>2025/2/10</a:t>
             </a:fld>
             <a:endParaRPr lang="zh-TW" altLang="en-US"/>
           </a:p>
@@ -2085,7 +2086,7 @@
           <a:p>
             <a:fld id="{64A076C2-5F6F-472B-BFF8-3C0541CCB8F3}" type="datetimeFigureOut">
               <a:rPr lang="zh-TW" altLang="en-US" smtClean="0"/>
-              <a:t>2024/12/2</a:t>
+              <a:t>2025/2/10</a:t>
             </a:fld>
             <a:endParaRPr lang="zh-TW" altLang="en-US"/>
           </a:p>
@@ -2396,7 +2397,7 @@
           <a:p>
             <a:fld id="{64A076C2-5F6F-472B-BFF8-3C0541CCB8F3}" type="datetimeFigureOut">
               <a:rPr lang="zh-TW" altLang="en-US" smtClean="0"/>
-              <a:t>2024/12/2</a:t>
+              <a:t>2025/2/10</a:t>
             </a:fld>
             <a:endParaRPr lang="zh-TW" altLang="en-US"/>
           </a:p>
@@ -2684,7 +2685,7 @@
           <a:p>
             <a:fld id="{64A076C2-5F6F-472B-BFF8-3C0541CCB8F3}" type="datetimeFigureOut">
               <a:rPr lang="zh-TW" altLang="en-US" smtClean="0"/>
-              <a:t>2024/12/2</a:t>
+              <a:t>2025/2/10</a:t>
             </a:fld>
             <a:endParaRPr lang="zh-TW" altLang="en-US"/>
           </a:p>
@@ -2925,7 +2926,7 @@
           <a:p>
             <a:fld id="{64A076C2-5F6F-472B-BFF8-3C0541CCB8F3}" type="datetimeFigureOut">
               <a:rPr lang="zh-TW" altLang="en-US" smtClean="0"/>
-              <a:t>2024/12/2</a:t>
+              <a:t>2025/2/10</a:t>
             </a:fld>
             <a:endParaRPr lang="zh-TW" altLang="en-US"/>
           </a:p>
@@ -13312,6 +13313,98 @@
         <p:cNvPr id="1" name="">
           <a:extLst>
             <a:ext uri="{FF2B5EF4-FFF2-40B4-BE49-F238E27FC236}">
+              <a16:creationId xmlns:a16="http://schemas.microsoft.com/office/drawing/2014/main" id="{875406C2-36E5-6128-6462-D3B272241EF4}"/>
+            </a:ext>
+          </a:extLst>
+        </p:cNvPr>
+        <p:cNvGrpSpPr/>
+        <p:nvPr/>
+      </p:nvGrpSpPr>
+      <p:grpSpPr>
+        <a:xfrm>
+          <a:off x="0" y="0"/>
+          <a:ext cx="0" cy="0"/>
+          <a:chOff x="0" y="0"/>
+          <a:chExt cx="0" cy="0"/>
+        </a:xfrm>
+      </p:grpSpPr>
+      <p:sp>
+        <p:nvSpPr>
+          <p:cNvPr id="2" name="標題 1">
+            <a:extLst>
+              <a:ext uri="{FF2B5EF4-FFF2-40B4-BE49-F238E27FC236}">
+                <a16:creationId xmlns:a16="http://schemas.microsoft.com/office/drawing/2014/main" id="{5EB7E624-4E8E-6F40-FF4A-3C233F175FB2}"/>
+              </a:ext>
+            </a:extLst>
+          </p:cNvPr>
+          <p:cNvSpPr>
+            <a:spLocks noGrp="1"/>
+          </p:cNvSpPr>
+          <p:nvPr>
+            <p:ph type="ctrTitle"/>
+          </p:nvPr>
+        </p:nvSpPr>
+        <p:spPr/>
+        <p:txBody>
+          <a:bodyPr/>
+          <a:lstStyle/>
+          <a:p>
+            <a:r>
+              <a:rPr lang="zh-TW" altLang="en-US" dirty="0">
+                <a:latin typeface="Noto Serif TC Black" panose="02020200000000000000" pitchFamily="18" charset="-128"/>
+                <a:ea typeface="Noto Serif TC Black" panose="02020200000000000000" pitchFamily="18" charset="-128"/>
+              </a:rPr>
+              <a:t>換調</a:t>
+            </a:r>
+          </a:p>
+        </p:txBody>
+      </p:sp>
+      <p:sp>
+        <p:nvSpPr>
+          <p:cNvPr id="3" name="副標題 2">
+            <a:extLst>
+              <a:ext uri="{FF2B5EF4-FFF2-40B4-BE49-F238E27FC236}">
+                <a16:creationId xmlns:a16="http://schemas.microsoft.com/office/drawing/2014/main" id="{C6EAADB2-3142-0B84-938A-A0B3DEEC2291}"/>
+              </a:ext>
+            </a:extLst>
+          </p:cNvPr>
+          <p:cNvSpPr>
+            <a:spLocks noGrp="1"/>
+          </p:cNvSpPr>
+          <p:nvPr>
+            <p:ph type="subTitle" idx="1"/>
+          </p:nvPr>
+        </p:nvSpPr>
+        <p:spPr/>
+        <p:txBody>
+          <a:bodyPr/>
+          <a:lstStyle/>
+          <a:p>
+            <a:endParaRPr lang="zh-TW" altLang="en-US"/>
+          </a:p>
+        </p:txBody>
+      </p:sp>
+    </p:spTree>
+    <p:extLst>
+      <p:ext uri="{BB962C8B-B14F-4D97-AF65-F5344CB8AC3E}">
+        <p14:creationId xmlns:p14="http://schemas.microsoft.com/office/powerpoint/2010/main" val="2943534615"/>
+      </p:ext>
+    </p:extLst>
+  </p:cSld>
+  <p:clrMapOvr>
+    <a:masterClrMapping/>
+  </p:clrMapOvr>
+</p:sld>
+</file>
+
+<file path=ppt/slides/slide6.xml><?xml version="1.0" encoding="utf-8"?>
+<p:sld xmlns:a="http://schemas.openxmlformats.org/drawingml/2006/main" xmlns:r="http://schemas.openxmlformats.org/officeDocument/2006/relationships" xmlns:p="http://schemas.openxmlformats.org/presentationml/2006/main">
+  <p:cSld>
+    <p:spTree>
+      <p:nvGrpSpPr>
+        <p:cNvPr id="1" name="">
+          <a:extLst>
+            <a:ext uri="{FF2B5EF4-FFF2-40B4-BE49-F238E27FC236}">
               <a16:creationId xmlns:a16="http://schemas.microsoft.com/office/drawing/2014/main" id="{08819990-7A0F-FF8E-72CA-BF4980FBEC0F}"/>
             </a:ext>
           </a:extLst>
@@ -22949,7 +23042,7 @@
 </p:sld>
 </file>
 
-<file path=ppt/slides/slide6.xml><?xml version="1.0" encoding="utf-8"?>
+<file path=ppt/slides/slide7.xml><?xml version="1.0" encoding="utf-8"?>
 <p:sld xmlns:a="http://schemas.openxmlformats.org/drawingml/2006/main" xmlns:r="http://schemas.openxmlformats.org/officeDocument/2006/relationships" xmlns:p="http://schemas.openxmlformats.org/presentationml/2006/main">
   <p:cSld>
     <p:spTree>
